--- a/slides/Lecture_9.pptx
+++ b/slides/Lecture_9.pptx
@@ -9489,7 +9489,7 @@
                   <a:srgbClr val="6AA84F"/>
                 </a:solidFill>
               </a:rPr>
-              <a:t>10</a:t>
+              <a:t>9</a:t>
             </a:r>
             <a:endParaRPr b="0" i="0" sz="1600" u="none" cap="none" strike="noStrike">
               <a:solidFill>
@@ -9511,7 +9511,7 @@
         </p:nvSpPr>
         <p:spPr>
           <a:xfrm>
-            <a:off x="16050" y="18825"/>
+            <a:off x="16050" y="24750"/>
             <a:ext cx="9111900" cy="5094000"/>
           </a:xfrm>
           <a:prstGeom prst="rect">
@@ -9606,7 +9606,7 @@
             <a:tbl>
               <a:tblPr>
                 <a:noFill/>
-                <a:tableStyleId>{C574C2DD-AAF7-4E75-9597-527251FC988F}</a:tableStyleId>
+                <a:tableStyleId>{75D844DC-2414-45EE-AF1D-6E1C6856CA70}</a:tableStyleId>
               </a:tblPr>
               <a:tblGrid>
                 <a:gridCol w="3666300"/>
